--- a/Face recognition on YALE faces dataset using Tensorflow.pptx
+++ b/Face recognition on YALE faces dataset using Tensorflow.pptx
@@ -7,7 +7,9 @@
   <p:sldIdLst>
     <p:sldId id="256" r:id="rId2"/>
     <p:sldId id="257" r:id="rId3"/>
-    <p:sldId id="258" r:id="rId4"/>
+    <p:sldId id="259" r:id="rId4"/>
+    <p:sldId id="258" r:id="rId5"/>
+    <p:sldId id="260" r:id="rId6"/>
   </p:sldIdLst>
   <p:sldSz cx="12192000" cy="6858000"/>
   <p:notesSz cx="6858000" cy="9144000"/>
@@ -106,6 +108,11 @@
       </a:defRPr>
     </a:lvl9pPr>
   </p:defaultTextStyle>
+  <p:extLst>
+    <p:ext uri="{EFAFB233-063F-42B5-8137-9DF3F51BA10A}">
+      <p15:sldGuideLst xmlns:p15="http://schemas.microsoft.com/office/powerpoint/2012/main"/>
+    </p:ext>
+  </p:extLst>
 </p:presentation>
 </file>
 
@@ -1052,12 +1059,16 @@
         <a:lstStyle/>
         <a:p>
           <a:r>
-            <a:rPr lang="en-US" sz="1800" dirty="0" err="1"/>
+            <a:rPr lang="en-US" sz="1800" b="1" dirty="0" err="1"/>
             <a:t>Tensorflow</a:t>
           </a:r>
           <a:r>
+            <a:rPr lang="en-US" sz="1800" b="1" dirty="0"/>
+            <a:t>: </a:t>
+          </a:r>
+          <a:r>
             <a:rPr lang="en-US" sz="1800" dirty="0"/>
-            <a:t>: To </a:t>
+            <a:t>To </a:t>
           </a:r>
           <a:r>
             <a:rPr lang="en-US" sz="1800" b="0" i="0" dirty="0"/>
@@ -1097,8 +1108,12 @@
         <a:lstStyle/>
         <a:p>
           <a:r>
+            <a:rPr lang="en-US" sz="1800" b="1" dirty="0"/>
+            <a:t>Open cv</a:t>
+          </a:r>
+          <a:r>
             <a:rPr lang="en-US" sz="1800" dirty="0"/>
-            <a:t>Open cv: Use of </a:t>
+            <a:t>: Use of </a:t>
           </a:r>
           <a:r>
             <a:rPr lang="en-US" sz="1800" dirty="0" err="1"/>
@@ -1106,7 +1121,7 @@
           </a:r>
           <a:r>
             <a:rPr lang="en-US" sz="1800" dirty="0"/>
-            <a:t>-Cascade Classifier. </a:t>
+            <a:t>-Cascade feature based Classifier for object detection. </a:t>
           </a:r>
           <a:r>
             <a:rPr lang="en-US" sz="1800" dirty="0" err="1"/>
@@ -1149,8 +1164,12 @@
         <a:lstStyle/>
         <a:p>
           <a:r>
+            <a:rPr lang="en-US" sz="1800" b="1" dirty="0"/>
+            <a:t>YALE Faces Dataset</a:t>
+          </a:r>
+          <a:r>
             <a:rPr lang="en-US" sz="1800" dirty="0"/>
-            <a:t>YALE Faces Dataset: The Yale faces dataset is a benchmark dataset for facial recognition problems. It contains 165 images of 11 different persons. The pictures were taken in different settings: with/without glasses, laughing/ sad, sleepy, surprised</a:t>
+            <a:t>: The Yale faces dataset is a benchmark dataset for facial recognition problems. It contains 165 images of 11 different persons. The pictures were taken in different settings: with/without glasses, laughing/ sad, sleepy, surprised</a:t>
           </a:r>
         </a:p>
       </dgm:t>
@@ -1526,12 +1545,16 @@
             <a:buNone/>
           </a:pPr>
           <a:r>
-            <a:rPr lang="en-US" sz="1800" kern="1200" dirty="0" err="1"/>
+            <a:rPr lang="en-US" sz="1800" b="1" kern="1200" dirty="0" err="1"/>
             <a:t>Tensorflow</a:t>
           </a:r>
           <a:r>
+            <a:rPr lang="en-US" sz="1800" b="1" kern="1200" dirty="0"/>
+            <a:t>: </a:t>
+          </a:r>
+          <a:r>
             <a:rPr lang="en-US" sz="1800" kern="1200" dirty="0"/>
-            <a:t>: To </a:t>
+            <a:t>To </a:t>
           </a:r>
           <a:r>
             <a:rPr lang="en-US" sz="1800" b="0" i="0" kern="1200" dirty="0"/>
@@ -1685,8 +1708,12 @@
             <a:buNone/>
           </a:pPr>
           <a:r>
+            <a:rPr lang="en-US" sz="1800" b="1" kern="1200" dirty="0"/>
+            <a:t>Open cv</a:t>
+          </a:r>
+          <a:r>
             <a:rPr lang="en-US" sz="1800" kern="1200" dirty="0"/>
-            <a:t>Open cv: Use of </a:t>
+            <a:t>: Use of </a:t>
           </a:r>
           <a:r>
             <a:rPr lang="en-US" sz="1800" kern="1200" dirty="0" err="1"/>
@@ -1694,7 +1721,7 @@
           </a:r>
           <a:r>
             <a:rPr lang="en-US" sz="1800" kern="1200" dirty="0"/>
-            <a:t>-Cascade Classifier. </a:t>
+            <a:t>-Cascade feature based Classifier for object detection. </a:t>
           </a:r>
           <a:r>
             <a:rPr lang="en-US" sz="1800" kern="1200" dirty="0" err="1"/>
@@ -1851,8 +1878,12 @@
             <a:buNone/>
           </a:pPr>
           <a:r>
+            <a:rPr lang="en-US" sz="1800" b="1" kern="1200" dirty="0"/>
+            <a:t>YALE Faces Dataset</a:t>
+          </a:r>
+          <a:r>
             <a:rPr lang="en-US" sz="1800" kern="1200" dirty="0"/>
-            <a:t>YALE Faces Dataset: The Yale faces dataset is a benchmark dataset for facial recognition problems. It contains 165 images of 11 different persons. The pictures were taken in different settings: with/without glasses, laughing/ sad, sleepy, surprised</a:t>
+            <a:t>: The Yale faces dataset is a benchmark dataset for facial recognition problems. It contains 165 images of 11 different persons. The pictures were taken in different settings: with/without glasses, laughing/ sad, sleepy, surprised</a:t>
           </a:r>
         </a:p>
       </dsp:txBody>
@@ -3437,7 +3468,7 @@
           <a:p>
             <a:fld id="{9184DA70-C731-4C70-880D-CCD4705E623C}" type="datetime1">
               <a:rPr lang="en-US" smtClean="0"/>
-              <a:t>4/13/2020</a:t>
+              <a:t>4/15/2020</a:t>
             </a:fld>
             <a:endParaRPr lang="en-US" dirty="0"/>
           </a:p>
@@ -3625,7 +3656,7 @@
           <a:p>
             <a:fld id="{B612A279-0833-481D-8C56-F67FD0AC6C50}" type="datetime1">
               <a:rPr lang="en-US" smtClean="0"/>
-              <a:t>4/13/2020</a:t>
+              <a:t>4/15/2020</a:t>
             </a:fld>
             <a:endParaRPr lang="en-US" dirty="0"/>
           </a:p>
@@ -3867,7 +3898,7 @@
           <a:p>
             <a:fld id="{6587DA83-5663-4C9C-B9AA-0B40A3DAFF81}" type="datetime1">
               <a:rPr lang="en-US" smtClean="0"/>
-              <a:t>4/13/2020</a:t>
+              <a:t>4/15/2020</a:t>
             </a:fld>
             <a:endParaRPr lang="en-US" dirty="0"/>
           </a:p>
@@ -4055,7 +4086,7 @@
           <a:p>
             <a:fld id="{4BE1D723-8F53-4F53-90B0-1982A396982E}" type="datetime1">
               <a:rPr lang="en-US" smtClean="0"/>
-              <a:t>4/13/2020</a:t>
+              <a:t>4/15/2020</a:t>
             </a:fld>
             <a:endParaRPr lang="en-US" dirty="0"/>
           </a:p>
@@ -4428,7 +4459,7 @@
           <a:p>
             <a:fld id="{97669AF7-7BEB-44E4-9852-375E34362B5B}" type="datetime1">
               <a:rPr lang="en-US" smtClean="0"/>
-              <a:t>4/13/2020</a:t>
+              <a:t>4/15/2020</a:t>
             </a:fld>
             <a:endParaRPr lang="en-US" dirty="0"/>
           </a:p>
@@ -4683,7 +4714,7 @@
           <a:p>
             <a:fld id="{BAAAC38D-0552-4C82-B593-E6124DFADBE2}" type="datetime1">
               <a:rPr lang="en-US" smtClean="0"/>
-              <a:t>4/13/2020</a:t>
+              <a:t>4/15/2020</a:t>
             </a:fld>
             <a:endParaRPr lang="en-US" dirty="0"/>
           </a:p>
@@ -5080,7 +5111,7 @@
           <a:p>
             <a:fld id="{D9DF0F1C-5577-4ACB-BB62-DF8F3C494C7E}" type="datetime1">
               <a:rPr lang="en-US" smtClean="0"/>
-              <a:t>4/13/2020</a:t>
+              <a:t>4/15/2020</a:t>
             </a:fld>
             <a:endParaRPr lang="en-US" dirty="0"/>
           </a:p>
@@ -5216,7 +5247,7 @@
           <a:p>
             <a:fld id="{1775B394-D9F9-4F0C-B15D-605F45CB9E9F}" type="datetime1">
               <a:rPr lang="en-US" smtClean="0"/>
-              <a:t>4/13/2020</a:t>
+              <a:t>4/15/2020</a:t>
             </a:fld>
             <a:endParaRPr lang="en-US" dirty="0"/>
           </a:p>
@@ -5373,7 +5404,7 @@
           <a:p>
             <a:fld id="{39667345-2558-425A-8533-9BFDBCE15005}" type="datetime1">
               <a:rPr lang="en-US" smtClean="0"/>
-              <a:t>4/13/2020</a:t>
+              <a:t>4/15/2020</a:t>
             </a:fld>
             <a:endParaRPr lang="en-US" dirty="0"/>
           </a:p>
@@ -5702,7 +5733,7 @@
           <a:p>
             <a:fld id="{92BEA474-078D-4E9B-9B14-09A87B19DC46}" type="datetime1">
               <a:rPr lang="en-US" smtClean="0"/>
-              <a:t>4/13/2020</a:t>
+              <a:t>4/15/2020</a:t>
             </a:fld>
             <a:endParaRPr lang="en-US" dirty="0"/>
           </a:p>
@@ -6052,7 +6083,7 @@
           <a:p>
             <a:fld id="{4907D986-8816-4272-A432-0437A28A9828}" type="datetime1">
               <a:rPr lang="en-US" smtClean="0"/>
-              <a:t>4/13/2020</a:t>
+              <a:t>4/15/2020</a:t>
             </a:fld>
             <a:endParaRPr lang="en-US" dirty="0"/>
           </a:p>
@@ -6313,7 +6344,7 @@
           <a:p>
             <a:fld id="{62D6E202-B606-4609-B914-27C9371A1F6D}" type="datetime1">
               <a:rPr lang="en-US" smtClean="0"/>
-              <a:t>4/13/2020</a:t>
+              <a:t>4/15/2020</a:t>
             </a:fld>
             <a:endParaRPr lang="en-US" dirty="0"/>
           </a:p>
@@ -7070,7 +7101,7 @@
                   <a:schemeClr val="bg1"/>
                 </a:solidFill>
               </a:rPr>
-              <a:t>Face recognition on YALE faces dataset using </a:t>
+              <a:t>Realtime Face recognition on YALE faces dataset using </a:t>
             </a:r>
             <a:r>
               <a:rPr lang="en-US" sz="5100" dirty="0" err="1">
@@ -7504,7 +7535,7 @@
             <p:ph idx="1"/>
             <p:extLst>
               <p:ext uri="{D42A27DB-BD31-4B8C-83A1-F6EECF244321}">
-                <p14:modId xmlns:p14="http://schemas.microsoft.com/office/powerpoint/2010/main" val="3772082974"/>
+                <p14:modId xmlns:p14="http://schemas.microsoft.com/office/powerpoint/2010/main" val="4157481913"/>
               </p:ext>
             </p:extLst>
           </p:nvPr>
@@ -7677,6 +7708,241 @@
           <p:cNvPr id="2" name="Title 1">
             <a:extLst>
               <a:ext uri="{FF2B5EF4-FFF2-40B4-BE49-F238E27FC236}">
+                <a16:creationId xmlns:a16="http://schemas.microsoft.com/office/drawing/2014/main" id="{8783C80A-FAAC-4D14-A484-E5C2E94AED1C}"/>
+              </a:ext>
+            </a:extLst>
+          </p:cNvPr>
+          <p:cNvSpPr>
+            <a:spLocks noGrp="1"/>
+          </p:cNvSpPr>
+          <p:nvPr>
+            <p:ph type="title"/>
+          </p:nvPr>
+        </p:nvSpPr>
+        <p:spPr>
+          <a:xfrm>
+            <a:off x="492369" y="605896"/>
+            <a:ext cx="3642309" cy="5646208"/>
+          </a:xfrm>
+        </p:spPr>
+        <p:txBody>
+          <a:bodyPr anchor="ctr">
+            <a:normAutofit/>
+          </a:bodyPr>
+          <a:lstStyle/>
+          <a:p>
+            <a:r>
+              <a:rPr lang="en-US" sz="4400">
+                <a:solidFill>
+                  <a:srgbClr val="FFFFFF"/>
+                </a:solidFill>
+              </a:rPr>
+              <a:t>Code re-implementation</a:t>
+            </a:r>
+          </a:p>
+        </p:txBody>
+      </p:sp>
+      <p:sp>
+        <p:nvSpPr>
+          <p:cNvPr id="3" name="Content Placeholder 2">
+            <a:extLst>
+              <a:ext uri="{FF2B5EF4-FFF2-40B4-BE49-F238E27FC236}">
+                <a16:creationId xmlns:a16="http://schemas.microsoft.com/office/drawing/2014/main" id="{2F31CC32-7891-4ED5-9A20-7C92AD65489C}"/>
+              </a:ext>
+            </a:extLst>
+          </p:cNvPr>
+          <p:cNvSpPr>
+            <a:spLocks noGrp="1"/>
+          </p:cNvSpPr>
+          <p:nvPr>
+            <p:ph idx="1"/>
+          </p:nvPr>
+        </p:nvSpPr>
+        <p:spPr>
+          <a:xfrm>
+            <a:off x="5231958" y="605896"/>
+            <a:ext cx="5923721" cy="5646208"/>
+          </a:xfrm>
+        </p:spPr>
+        <p:txBody>
+          <a:bodyPr anchor="ctr">
+            <a:normAutofit/>
+          </a:bodyPr>
+          <a:lstStyle/>
+          <a:p>
+            <a:r>
+              <a:rPr lang="en-US" sz="2400" dirty="0"/>
+              <a:t>We will start on the top of a </a:t>
+            </a:r>
+            <a:r>
+              <a:rPr lang="en-US" sz="2400" dirty="0" err="1"/>
+              <a:t>Github</a:t>
+            </a:r>
+            <a:r>
+              <a:rPr lang="en-US" sz="2400" dirty="0"/>
+              <a:t> code[1] that we came across to build a Realtime face recognition system that uses webcam to capture videos  and identify faces based on  it.</a:t>
+            </a:r>
+          </a:p>
+        </p:txBody>
+      </p:sp>
+    </p:spTree>
+    <p:extLst>
+      <p:ext uri="{BB962C8B-B14F-4D97-AF65-F5344CB8AC3E}">
+        <p14:creationId xmlns:p14="http://schemas.microsoft.com/office/powerpoint/2010/main" val="900890531"/>
+      </p:ext>
+    </p:extLst>
+  </p:cSld>
+  <p:clrMapOvr>
+    <a:masterClrMapping/>
+  </p:clrMapOvr>
+</p:sld>
+</file>
+
+<file path=ppt/slides/slide4.xml><?xml version="1.0" encoding="utf-8"?>
+<p:sld xmlns:a="http://schemas.openxmlformats.org/drawingml/2006/main" xmlns:r="http://schemas.openxmlformats.org/officeDocument/2006/relationships" xmlns:p="http://schemas.openxmlformats.org/presentationml/2006/main">
+  <p:cSld>
+    <p:bg>
+      <p:bgPr>
+        <a:solidFill>
+          <a:schemeClr val="bg1"/>
+        </a:solidFill>
+        <a:effectLst/>
+      </p:bgPr>
+    </p:bg>
+    <p:spTree>
+      <p:nvGrpSpPr>
+        <p:cNvPr id="1" name=""/>
+        <p:cNvGrpSpPr/>
+        <p:nvPr/>
+      </p:nvGrpSpPr>
+      <p:grpSpPr>
+        <a:xfrm>
+          <a:off x="0" y="0"/>
+          <a:ext cx="0" cy="0"/>
+          <a:chOff x="0" y="0"/>
+          <a:chExt cx="0" cy="0"/>
+        </a:xfrm>
+      </p:grpSpPr>
+      <p:sp useBgFill="1">
+        <p:nvSpPr>
+          <p:cNvPr id="8" name="Rectangle 7">
+            <a:extLst>
+              <a:ext uri="{FF2B5EF4-FFF2-40B4-BE49-F238E27FC236}">
+                <a16:creationId xmlns:a16="http://schemas.microsoft.com/office/drawing/2014/main" id="{3741B58E-3B65-4A01-A276-975AB2CF8A08}"/>
+              </a:ext>
+              <a:ext uri="{C183D7F6-B498-43B3-948B-1728B52AA6E4}">
+                <adec:decorative xmlns:adec="http://schemas.microsoft.com/office/drawing/2017/decorative" val="1"/>
+              </a:ext>
+            </a:extLst>
+          </p:cNvPr>
+          <p:cNvSpPr>
+            <a:spLocks noGrp="1" noRot="1" noChangeAspect="1" noMove="1" noResize="1" noEditPoints="1" noAdjustHandles="1" noChangeArrowheads="1" noChangeShapeType="1" noTextEdit="1"/>
+          </p:cNvSpPr>
+          <p:nvPr>
+            <p:extLst>
+              <p:ext uri="{386F3935-93C4-4BCD-93E2-E3B085C9AB24}">
+                <p16:designElem xmlns:p16="http://schemas.microsoft.com/office/powerpoint/2015/main" val="1"/>
+              </p:ext>
+            </p:extLst>
+          </p:nvPr>
+        </p:nvSpPr>
+        <p:spPr>
+          <a:xfrm>
+            <a:off x="0" y="0"/>
+            <a:ext cx="12186315" cy="6858000"/>
+          </a:xfrm>
+          <a:prstGeom prst="rect">
+            <a:avLst/>
+          </a:prstGeom>
+          <a:ln>
+            <a:noFill/>
+          </a:ln>
+        </p:spPr>
+        <p:style>
+          <a:lnRef idx="2">
+            <a:schemeClr val="accent6">
+              <a:shade val="50000"/>
+            </a:schemeClr>
+          </a:lnRef>
+          <a:fillRef idx="1001">
+            <a:schemeClr val="lt1"/>
+          </a:fillRef>
+          <a:effectRef idx="0">
+            <a:schemeClr val="accent6"/>
+          </a:effectRef>
+          <a:fontRef idx="minor">
+            <a:schemeClr val="lt1"/>
+          </a:fontRef>
+        </p:style>
+        <p:txBody>
+          <a:bodyPr rtlCol="0" anchor="ctr"/>
+          <a:lstStyle/>
+          <a:p>
+            <a:pPr algn="ctr"/>
+            <a:endParaRPr lang="en-US"/>
+          </a:p>
+        </p:txBody>
+      </p:sp>
+      <p:sp>
+        <p:nvSpPr>
+          <p:cNvPr id="10" name="Rectangle 9">
+            <a:extLst>
+              <a:ext uri="{FF2B5EF4-FFF2-40B4-BE49-F238E27FC236}">
+                <a16:creationId xmlns:a16="http://schemas.microsoft.com/office/drawing/2014/main" id="{7AAC67C3-831B-4AB1-A259-DFB839CAFAFC}"/>
+              </a:ext>
+              <a:ext uri="{C183D7F6-B498-43B3-948B-1728B52AA6E4}">
+                <adec:decorative xmlns:adec="http://schemas.microsoft.com/office/drawing/2017/decorative" val="1"/>
+              </a:ext>
+            </a:extLst>
+          </p:cNvPr>
+          <p:cNvSpPr>
+            <a:spLocks noGrp="1" noRot="1" noChangeAspect="1" noMove="1" noResize="1" noEditPoints="1" noAdjustHandles="1" noChangeArrowheads="1" noChangeShapeType="1" noTextEdit="1"/>
+          </p:cNvSpPr>
+          <p:nvPr>
+            <p:extLst>
+              <p:ext uri="{386F3935-93C4-4BCD-93E2-E3B085C9AB24}">
+                <p16:designElem xmlns:p16="http://schemas.microsoft.com/office/powerpoint/2015/main" val="1"/>
+              </p:ext>
+            </p:extLst>
+          </p:nvPr>
+        </p:nvSpPr>
+        <p:spPr>
+          <a:xfrm>
+            <a:off x="16" y="0"/>
+            <a:ext cx="4648593" cy="6858000"/>
+          </a:xfrm>
+          <a:prstGeom prst="rect">
+            <a:avLst/>
+          </a:prstGeom>
+          <a:solidFill>
+            <a:srgbClr val="262626"/>
+          </a:solidFill>
+          <a:ln>
+            <a:noFill/>
+          </a:ln>
+        </p:spPr>
+        <p:style>
+          <a:lnRef idx="2">
+            <a:schemeClr val="accent1">
+              <a:shade val="50000"/>
+            </a:schemeClr>
+          </a:lnRef>
+          <a:fillRef idx="1">
+            <a:schemeClr val="accent1"/>
+          </a:fillRef>
+          <a:effectRef idx="0">
+            <a:schemeClr val="accent1"/>
+          </a:effectRef>
+          <a:fontRef idx="minor">
+            <a:schemeClr val="lt1"/>
+          </a:fontRef>
+        </p:style>
+      </p:sp>
+      <p:sp>
+        <p:nvSpPr>
+          <p:cNvPr id="2" name="Title 1">
+            <a:extLst>
+              <a:ext uri="{FF2B5EF4-FFF2-40B4-BE49-F238E27FC236}">
                 <a16:creationId xmlns:a16="http://schemas.microsoft.com/office/drawing/2014/main" id="{D63C7180-629A-469C-B843-10A62B5475D1}"/>
               </a:ext>
             </a:extLst>
@@ -7729,8 +7995,8 @@
         </p:nvSpPr>
         <p:spPr>
           <a:xfrm>
-            <a:off x="5231958" y="605896"/>
-            <a:ext cx="5923721" cy="5646208"/>
+            <a:off x="4749554" y="523783"/>
+            <a:ext cx="6406126" cy="5728321"/>
           </a:xfrm>
         </p:spPr>
         <p:txBody>
@@ -7742,7 +8008,7 @@
             <a:pPr algn="just"/>
             <a:r>
               <a:rPr lang="en-US" sz="2400" dirty="0"/>
-              <a:t>In this project we want to build an algorithm capable of matching images to the correct person (face recognition). We take a multi-label classification approach to this problem, meaning that we associate to each image a label corresponding to the relevant person figuring on it.</a:t>
+              <a:t>In this project we want to build an algorithm capable of matching images to the correct person (face recognition). We take a multi-label classification approach to this problem, meaning that we associate to each image a label corresponding to the relevant person figuring on it. We will try to make this process Realtime.</a:t>
             </a:r>
           </a:p>
         </p:txBody>
@@ -7751,6 +8017,95 @@
     <p:extLst>
       <p:ext uri="{BB962C8B-B14F-4D97-AF65-F5344CB8AC3E}">
         <p14:creationId xmlns:p14="http://schemas.microsoft.com/office/powerpoint/2010/main" val="797776688"/>
+      </p:ext>
+    </p:extLst>
+  </p:cSld>
+  <p:clrMapOvr>
+    <a:masterClrMapping/>
+  </p:clrMapOvr>
+</p:sld>
+</file>
+
+<file path=ppt/slides/slide5.xml><?xml version="1.0" encoding="utf-8"?>
+<p:sld xmlns:a="http://schemas.openxmlformats.org/drawingml/2006/main" xmlns:r="http://schemas.openxmlformats.org/officeDocument/2006/relationships" xmlns:p="http://schemas.openxmlformats.org/presentationml/2006/main">
+  <p:cSld>
+    <p:spTree>
+      <p:nvGrpSpPr>
+        <p:cNvPr id="1" name=""/>
+        <p:cNvGrpSpPr/>
+        <p:nvPr/>
+      </p:nvGrpSpPr>
+      <p:grpSpPr>
+        <a:xfrm>
+          <a:off x="0" y="0"/>
+          <a:ext cx="0" cy="0"/>
+          <a:chOff x="0" y="0"/>
+          <a:chExt cx="0" cy="0"/>
+        </a:xfrm>
+      </p:grpSpPr>
+      <p:sp>
+        <p:nvSpPr>
+          <p:cNvPr id="2" name="Title 1">
+            <a:extLst>
+              <a:ext uri="{FF2B5EF4-FFF2-40B4-BE49-F238E27FC236}">
+                <a16:creationId xmlns:a16="http://schemas.microsoft.com/office/drawing/2014/main" id="{97C1BF0E-5E49-4900-BA89-8E479471785D}"/>
+              </a:ext>
+            </a:extLst>
+          </p:cNvPr>
+          <p:cNvSpPr>
+            <a:spLocks noGrp="1"/>
+          </p:cNvSpPr>
+          <p:nvPr>
+            <p:ph type="title"/>
+          </p:nvPr>
+        </p:nvSpPr>
+        <p:spPr/>
+        <p:txBody>
+          <a:bodyPr/>
+          <a:lstStyle/>
+          <a:p>
+            <a:r>
+              <a:rPr lang="en-US" dirty="0"/>
+              <a:t>Reference:</a:t>
+            </a:r>
+          </a:p>
+        </p:txBody>
+      </p:sp>
+      <p:sp>
+        <p:nvSpPr>
+          <p:cNvPr id="3" name="Content Placeholder 2">
+            <a:extLst>
+              <a:ext uri="{FF2B5EF4-FFF2-40B4-BE49-F238E27FC236}">
+                <a16:creationId xmlns:a16="http://schemas.microsoft.com/office/drawing/2014/main" id="{5C5AA882-C5F3-4C20-80BA-DC114B2B81CE}"/>
+              </a:ext>
+            </a:extLst>
+          </p:cNvPr>
+          <p:cNvSpPr>
+            <a:spLocks noGrp="1"/>
+          </p:cNvSpPr>
+          <p:nvPr>
+            <p:ph idx="1"/>
+          </p:nvPr>
+        </p:nvSpPr>
+        <p:spPr/>
+        <p:txBody>
+          <a:bodyPr/>
+          <a:lstStyle/>
+          <a:p>
+            <a:r>
+              <a:rPr lang="en-US" dirty="0">
+                <a:hlinkClick r:id="rId2"/>
+              </a:rPr>
+              <a:t>[1] https://github.com/aboyker/face-recognition/blob/master/network.py</a:t>
+            </a:r>
+            <a:endParaRPr lang="en-US" dirty="0"/>
+          </a:p>
+        </p:txBody>
+      </p:sp>
+    </p:spTree>
+    <p:extLst>
+      <p:ext uri="{BB962C8B-B14F-4D97-AF65-F5344CB8AC3E}">
+        <p14:creationId xmlns:p14="http://schemas.microsoft.com/office/powerpoint/2010/main" val="3857499695"/>
       </p:ext>
     </p:extLst>
   </p:cSld>
